--- a/Documentação/WealthWise.pptx
+++ b/Documentação/WealthWise.pptx
@@ -9081,6 +9081,30 @@
           <a:xfrm>
             <a:off x="855345" y="6858000"/>
             <a:ext cx="10734675" cy="1352550"/>
+          </a:xfrm>
+          <a:prstGeom prst="rect">
+            <a:avLst/>
+          </a:prstGeom>
+        </p:spPr>
+      </p:pic>
+      <p:pic>
+        <p:nvPicPr>
+          <p:cNvPr id="9" name="Imagem 8" descr="touroLogo"/>
+          <p:cNvPicPr>
+            <a:picLocks noChangeAspect="1"/>
+          </p:cNvPicPr>
+          <p:nvPr/>
+        </p:nvPicPr>
+        <p:blipFill>
+          <a:blip r:embed="rId4"/>
+          <a:stretch>
+            <a:fillRect/>
+          </a:stretch>
+        </p:blipFill>
+        <p:spPr>
+          <a:xfrm>
+            <a:off x="5160010" y="3138805"/>
+            <a:ext cx="1690370" cy="1947545"/>
           </a:xfrm>
           <a:prstGeom prst="rect">
             <a:avLst/>
